--- a/1. Power BI Adoption/1.2 Power BI Adoption - Introduction to the Framework.pptx
+++ b/1. Power BI Adoption/1.2 Power BI Adoption - Introduction to the Framework.pptx
@@ -11,7 +11,7 @@
     <p:handoutMasterId r:id="rId19"/>
   </p:handoutMasterIdLst>
   <p:sldIdLst>
-    <p:sldId id="8847" r:id="rId5"/>
+    <p:sldId id="8850" r:id="rId5"/>
     <p:sldId id="267" r:id="rId6"/>
     <p:sldId id="8827" r:id="rId7"/>
     <p:sldId id="8843" r:id="rId8"/>
@@ -23,7 +23,7 @@
     <p:sldId id="281" r:id="rId14"/>
     <p:sldId id="8784" r:id="rId15"/>
     <p:sldId id="262" r:id="rId16"/>
-    <p:sldId id="8849" r:id="rId17"/>
+    <p:sldId id="8861" r:id="rId17"/>
   </p:sldIdLst>
   <p:sldSz cx="12192000" cy="6858000"/>
   <p:notesSz cx="7104063" cy="10234613"/>
@@ -126,27 +126,6 @@
     </a:lvl9pPr>
   </p:defaultTextStyle>
   <p:extLst>
-    <p:ext uri="{521415D9-36F7-43E2-AB2F-B90AF26B5E84}">
-      <p14:sectionLst xmlns:p14="http://schemas.microsoft.com/office/powerpoint/2010/main">
-        <p14:section name="Default Section" id="{63094CC7-A5E3-47AE-9A66-CF7FA29CD34F}">
-          <p14:sldIdLst>
-            <p14:sldId id="8847"/>
-            <p14:sldId id="267"/>
-            <p14:sldId id="8827"/>
-            <p14:sldId id="8843"/>
-            <p14:sldId id="276"/>
-            <p14:sldId id="8841"/>
-            <p14:sldId id="8848"/>
-            <p14:sldId id="8825"/>
-            <p14:sldId id="8682"/>
-            <p14:sldId id="281"/>
-            <p14:sldId id="8784"/>
-            <p14:sldId id="262"/>
-            <p14:sldId id="8849"/>
-          </p14:sldIdLst>
-        </p14:section>
-      </p14:sectionLst>
-    </p:ext>
     <p:ext uri="{EFAFB233-063F-42B5-8137-9DF3F51BA10A}">
       <p15:sldGuideLst xmlns:p15="http://schemas.microsoft.com/office/powerpoint/2012/main"/>
     </p:ext>
@@ -166,7 +145,7 @@
 <file path=ppt/revisionInfo.xml><?xml version="1.0" encoding="utf-8"?>
 <p1510:revInfo xmlns:a="http://schemas.openxmlformats.org/drawingml/2006/main" xmlns:r="http://schemas.openxmlformats.org/officeDocument/2006/relationships" xmlns:p1510="http://schemas.microsoft.com/office/powerpoint/2015/10/main">
   <p1510:revLst>
-    <p1510:client id="{2F7277D0-79FC-4319-AB78-30E17A623AC4}" v="2" dt="2019-10-21T14:55:32.409"/>
+    <p1510:client id="{2F7277D0-79FC-4319-AB78-30E17A623AC4}" v="29" dt="2019-11-08T17:09:33.648"/>
   </p1510:revLst>
 </p1510:revInfo>
 </file>
@@ -23355,7 +23334,7 @@
           <a:p>
             <a:fld id="{A20ACBEE-26EB-47D1-A9F0-3869EF1078CC}" type="datetimeFigureOut">
               <a:rPr lang="en-US" smtClean="0"/>
-              <a:t>11/5/2019</a:t>
+              <a:t>11/8/2019</a:t>
             </a:fld>
             <a:endParaRPr lang="en-US" dirty="0"/>
           </a:p>
@@ -23520,7 +23499,7 @@
           <a:p>
             <a:fld id="{51F472B0-9DBF-4374-8A70-DE9093E7996C}" type="datetimeFigureOut">
               <a:rPr lang="en-US" smtClean="0"/>
-              <a:t>11/5/2019</a:t>
+              <a:t>11/8/2019</a:t>
             </a:fld>
             <a:endParaRPr lang="en-US" dirty="0"/>
           </a:p>
@@ -23861,7 +23840,7 @@
     </p:spTree>
     <p:extLst>
       <p:ext uri="{BB962C8B-B14F-4D97-AF65-F5344CB8AC3E}">
-        <p14:creationId xmlns:p14="http://schemas.microsoft.com/office/powerpoint/2010/main" val="3599389565"/>
+        <p14:creationId xmlns:p14="http://schemas.microsoft.com/office/powerpoint/2010/main" val="2806945709"/>
       </p:ext>
     </p:extLst>
   </p:cSld>
@@ -24300,7 +24279,7 @@
           <a:p>
             <a:fld id="{D18B56EA-E28F-4F92-9F16-7A6F2501B303}" type="datetime8">
               <a:rPr lang="en-US" smtClean="0"/>
-              <a:t>11/5/2019 12:34 PM</a:t>
+              <a:t>11/8/2019 5:08 PM</a:t>
             </a:fld>
             <a:endParaRPr lang="en-US" dirty="0"/>
           </a:p>
@@ -25069,721 +25048,6 @@
 </file>
 
 <file path=ppt/slideLayouts/slideLayout1.xml><?xml version="1.0" encoding="utf-8"?>
-<p:sldLayout xmlns:a="http://schemas.openxmlformats.org/drawingml/2006/main" xmlns:r="http://schemas.openxmlformats.org/officeDocument/2006/relationships" xmlns:p="http://schemas.openxmlformats.org/presentationml/2006/main" type="title" preserve="1">
-  <p:cSld name="Presentation Title">
-    <p:bg>
-      <p:bgPr>
-        <a:solidFill>
-          <a:srgbClr val="EDC30D"/>
-        </a:solidFill>
-        <a:effectLst/>
-      </p:bgPr>
-    </p:bg>
-    <p:spTree>
-      <p:nvGrpSpPr>
-        <p:cNvPr id="1" name=""/>
-        <p:cNvGrpSpPr/>
-        <p:nvPr/>
-      </p:nvGrpSpPr>
-      <p:grpSpPr>
-        <a:xfrm>
-          <a:off x="0" y="0"/>
-          <a:ext cx="0" cy="0"/>
-          <a:chOff x="0" y="0"/>
-          <a:chExt cx="0" cy="0"/>
-        </a:xfrm>
-      </p:grpSpPr>
-      <p:sp>
-        <p:nvSpPr>
-          <p:cNvPr id="2" name="Title 1"/>
-          <p:cNvSpPr>
-            <a:spLocks noGrp="1"/>
-          </p:cNvSpPr>
-          <p:nvPr>
-            <p:ph type="ctrTitle" hasCustomPrompt="1"/>
-          </p:nvPr>
-        </p:nvSpPr>
-        <p:spPr>
-          <a:xfrm>
-            <a:off x="1488558" y="1776549"/>
-            <a:ext cx="9788342" cy="2721023"/>
-          </a:xfrm>
-        </p:spPr>
-        <p:txBody>
-          <a:bodyPr/>
-          <a:lstStyle>
-            <a:lvl1pPr>
-              <a:defRPr sz="6000">
-                <a:solidFill>
-                  <a:schemeClr val="tx1"/>
-                </a:solidFill>
-                <a:latin typeface="Segoe UI Semibold" panose="020B0702040204020203" pitchFamily="34" charset="0"/>
-                <a:cs typeface="Segoe UI Semibold" panose="020B0702040204020203" pitchFamily="34" charset="0"/>
-              </a:defRPr>
-            </a:lvl1pPr>
-          </a:lstStyle>
-          <a:p>
-            <a:r>
-              <a:rPr lang="en-US"/>
-              <a:t>Presentation title</a:t>
-            </a:r>
-          </a:p>
-        </p:txBody>
-      </p:sp>
-      <p:sp>
-        <p:nvSpPr>
-          <p:cNvPr id="3" name="Subtitle 2"/>
-          <p:cNvSpPr>
-            <a:spLocks noGrp="1"/>
-          </p:cNvSpPr>
-          <p:nvPr>
-            <p:ph type="subTitle" idx="1" hasCustomPrompt="1"/>
-          </p:nvPr>
-        </p:nvSpPr>
-        <p:spPr>
-          <a:xfrm>
-            <a:off x="1488558" y="4749150"/>
-            <a:ext cx="9788342" cy="1034782"/>
-          </a:xfrm>
-        </p:spPr>
-        <p:txBody>
-          <a:bodyPr/>
-          <a:lstStyle>
-            <a:lvl1pPr marL="0" indent="0" algn="l">
-              <a:buNone/>
-              <a:defRPr sz="2157">
-                <a:solidFill>
-                  <a:schemeClr val="tx1"/>
-                </a:solidFill>
-                <a:latin typeface="+mn-lt"/>
-              </a:defRPr>
-            </a:lvl1pPr>
-            <a:lvl2pPr marL="448193" indent="0" algn="ctr">
-              <a:buNone/>
-              <a:defRPr>
-                <a:solidFill>
-                  <a:schemeClr val="tx1">
-                    <a:tint val="75000"/>
-                  </a:schemeClr>
-                </a:solidFill>
-              </a:defRPr>
-            </a:lvl2pPr>
-            <a:lvl3pPr marL="896386" indent="0" algn="ctr">
-              <a:buNone/>
-              <a:defRPr>
-                <a:solidFill>
-                  <a:schemeClr val="tx1">
-                    <a:tint val="75000"/>
-                  </a:schemeClr>
-                </a:solidFill>
-              </a:defRPr>
-            </a:lvl3pPr>
-            <a:lvl4pPr marL="1344579" indent="0" algn="ctr">
-              <a:buNone/>
-              <a:defRPr>
-                <a:solidFill>
-                  <a:schemeClr val="tx1">
-                    <a:tint val="75000"/>
-                  </a:schemeClr>
-                </a:solidFill>
-              </a:defRPr>
-            </a:lvl4pPr>
-            <a:lvl5pPr marL="1792773" indent="0" algn="ctr">
-              <a:buNone/>
-              <a:defRPr>
-                <a:solidFill>
-                  <a:schemeClr val="tx1">
-                    <a:tint val="75000"/>
-                  </a:schemeClr>
-                </a:solidFill>
-              </a:defRPr>
-            </a:lvl5pPr>
-            <a:lvl6pPr marL="2240966" indent="0" algn="ctr">
-              <a:buNone/>
-              <a:defRPr>
-                <a:solidFill>
-                  <a:schemeClr val="tx1">
-                    <a:tint val="75000"/>
-                  </a:schemeClr>
-                </a:solidFill>
-              </a:defRPr>
-            </a:lvl6pPr>
-            <a:lvl7pPr marL="2689159" indent="0" algn="ctr">
-              <a:buNone/>
-              <a:defRPr>
-                <a:solidFill>
-                  <a:schemeClr val="tx1">
-                    <a:tint val="75000"/>
-                  </a:schemeClr>
-                </a:solidFill>
-              </a:defRPr>
-            </a:lvl7pPr>
-            <a:lvl8pPr marL="3137352" indent="0" algn="ctr">
-              <a:buNone/>
-              <a:defRPr>
-                <a:solidFill>
-                  <a:schemeClr val="tx1">
-                    <a:tint val="75000"/>
-                  </a:schemeClr>
-                </a:solidFill>
-              </a:defRPr>
-            </a:lvl8pPr>
-            <a:lvl9pPr marL="3585545" indent="0" algn="ctr">
-              <a:buNone/>
-              <a:defRPr>
-                <a:solidFill>
-                  <a:schemeClr val="tx1">
-                    <a:tint val="75000"/>
-                  </a:schemeClr>
-                </a:solidFill>
-              </a:defRPr>
-            </a:lvl9pPr>
-          </a:lstStyle>
-          <a:p>
-            <a:r>
-              <a:rPr lang="en-US"/>
-              <a:t>Speaker Name</a:t>
-            </a:r>
-            <a:br>
-              <a:rPr lang="en-US"/>
-            </a:br>
-            <a:r>
-              <a:rPr lang="en-US"/>
-              <a:t>Date</a:t>
-            </a:r>
-          </a:p>
-        </p:txBody>
-      </p:sp>
-      <p:pic>
-        <p:nvPicPr>
-          <p:cNvPr id="7" name="Picture 6"/>
-          <p:cNvPicPr>
-            <a:picLocks noChangeAspect="1"/>
-          </p:cNvPicPr>
-          <p:nvPr userDrawn="1"/>
-        </p:nvPicPr>
-        <p:blipFill>
-          <a:blip r:embed="rId2">
-            <a:extLst>
-              <a:ext uri="{28A0092B-C50C-407E-A947-70E740481C1C}">
-                <a14:useLocalDpi xmlns:a14="http://schemas.microsoft.com/office/drawing/2010/main" val="0"/>
-              </a:ext>
-            </a:extLst>
-          </a:blip>
-          <a:stretch>
-            <a:fillRect/>
-          </a:stretch>
-        </p:blipFill>
-        <p:spPr>
-          <a:xfrm>
-            <a:off x="213939" y="199344"/>
-            <a:ext cx="1527557" cy="556031"/>
-          </a:xfrm>
-          <a:prstGeom prst="rect">
-            <a:avLst/>
-          </a:prstGeom>
-        </p:spPr>
-      </p:pic>
-    </p:spTree>
-    <p:extLst>
-      <p:ext uri="{BB962C8B-B14F-4D97-AF65-F5344CB8AC3E}">
-        <p14:creationId xmlns:p14="http://schemas.microsoft.com/office/powerpoint/2010/main" val="3293406793"/>
-      </p:ext>
-    </p:extLst>
-  </p:cSld>
-  <p:clrMapOvr>
-    <a:masterClrMapping/>
-  </p:clrMapOvr>
-  <mc:AlternateContent xmlns:mc="http://schemas.openxmlformats.org/markup-compatibility/2006" xmlns:p14="http://schemas.microsoft.com/office/powerpoint/2010/main">
-    <mc:Choice Requires="p14">
-      <p:transition spd="med" p14:dur="700">
-        <p:fade/>
-      </p:transition>
-    </mc:Choice>
-    <mc:Fallback xmlns="">
-      <p:transition spd="med">
-        <p:fade/>
-      </p:transition>
-    </mc:Fallback>
-  </mc:AlternateContent>
-</p:sldLayout>
-</file>
-
-<file path=ppt/slideLayouts/slideLayout10.xml><?xml version="1.0" encoding="utf-8"?>
-<p:sldLayout xmlns:a="http://schemas.openxmlformats.org/drawingml/2006/main" xmlns:r="http://schemas.openxmlformats.org/officeDocument/2006/relationships" xmlns:p="http://schemas.openxmlformats.org/presentationml/2006/main" preserve="1" userDrawn="1">
-  <p:cSld name="Presentation Closing">
-    <p:bg>
-      <p:bgPr>
-        <a:solidFill>
-          <a:srgbClr val="EDC30D"/>
-        </a:solidFill>
-        <a:effectLst/>
-      </p:bgPr>
-    </p:bg>
-    <p:spTree>
-      <p:nvGrpSpPr>
-        <p:cNvPr id="1" name=""/>
-        <p:cNvGrpSpPr/>
-        <p:nvPr/>
-      </p:nvGrpSpPr>
-      <p:grpSpPr>
-        <a:xfrm>
-          <a:off x="0" y="0"/>
-          <a:ext cx="0" cy="0"/>
-          <a:chOff x="0" y="0"/>
-          <a:chExt cx="0" cy="0"/>
-        </a:xfrm>
-      </p:grpSpPr>
-      <p:graphicFrame>
-        <p:nvGraphicFramePr>
-          <p:cNvPr id="2" name="Object 1" hidden="1"/>
-          <p:cNvGraphicFramePr>
-            <a:graphicFrameLocks noChangeAspect="1"/>
-          </p:cNvGraphicFramePr>
-          <p:nvPr userDrawn="1">
-            <p:custDataLst>
-              <p:tags r:id="rId2"/>
-            </p:custDataLst>
-          </p:nvPr>
-        </p:nvGraphicFramePr>
-        <p:xfrm>
-          <a:off x="1557" y="1558"/>
-          <a:ext cx="1556" cy="1556"/>
-        </p:xfrm>
-        <a:graphic>
-          <a:graphicData uri="http://schemas.openxmlformats.org/presentationml/2006/ole">
-            <mc:AlternateContent xmlns:mc="http://schemas.openxmlformats.org/markup-compatibility/2006">
-              <mc:Choice xmlns:v="urn:schemas-microsoft-com:vml" Requires="v">
-                <p:oleObj spid="_x0000_s1026" name="think-cell Slide" r:id="rId4" imgW="270" imgH="270" progId="TCLayout.ActiveDocument.1">
-                  <p:embed/>
-                </p:oleObj>
-              </mc:Choice>
-              <mc:Fallback>
-                <p:oleObj name="think-cell Slide" r:id="rId4" imgW="270" imgH="270" progId="TCLayout.ActiveDocument.1">
-                  <p:embed/>
-                  <p:pic>
-                    <p:nvPicPr>
-                      <p:cNvPr id="2" name="Object 1" hidden="1"/>
-                      <p:cNvPicPr/>
-                      <p:nvPr/>
-                    </p:nvPicPr>
-                    <p:blipFill>
-                      <a:blip r:embed="rId5"/>
-                      <a:stretch>
-                        <a:fillRect/>
-                      </a:stretch>
-                    </p:blipFill>
-                    <p:spPr>
-                      <a:xfrm>
-                        <a:off x="1557" y="1558"/>
-                        <a:ext cx="1556" cy="1556"/>
-                      </a:xfrm>
-                      <a:prstGeom prst="rect">
-                        <a:avLst/>
-                      </a:prstGeom>
-                    </p:spPr>
-                  </p:pic>
-                </p:oleObj>
-              </mc:Fallback>
-            </mc:AlternateContent>
-          </a:graphicData>
-        </a:graphic>
-      </p:graphicFrame>
-      <p:pic>
-        <p:nvPicPr>
-          <p:cNvPr id="6" name="Picture 5"/>
-          <p:cNvPicPr>
-            <a:picLocks noChangeAspect="1"/>
-          </p:cNvPicPr>
-          <p:nvPr userDrawn="1"/>
-        </p:nvPicPr>
-        <p:blipFill>
-          <a:blip r:embed="rId6">
-            <a:extLst>
-              <a:ext uri="{28A0092B-C50C-407E-A947-70E740481C1C}">
-                <a14:useLocalDpi xmlns:a14="http://schemas.microsoft.com/office/drawing/2010/main" val="0"/>
-              </a:ext>
-            </a:extLst>
-          </a:blip>
-          <a:stretch>
-            <a:fillRect/>
-          </a:stretch>
-        </p:blipFill>
-        <p:spPr>
-          <a:xfrm>
-            <a:off x="505486" y="2863031"/>
-            <a:ext cx="3056653" cy="1112622"/>
-          </a:xfrm>
-          <a:prstGeom prst="rect">
-            <a:avLst/>
-          </a:prstGeom>
-        </p:spPr>
-      </p:pic>
-    </p:spTree>
-    <p:extLst>
-      <p:ext uri="{BB962C8B-B14F-4D97-AF65-F5344CB8AC3E}">
-        <p14:creationId xmlns:p14="http://schemas.microsoft.com/office/powerpoint/2010/main" val="505370545"/>
-      </p:ext>
-    </p:extLst>
-  </p:cSld>
-  <p:clrMapOvr>
-    <a:masterClrMapping/>
-  </p:clrMapOvr>
-  <mc:AlternateContent xmlns:mc="http://schemas.openxmlformats.org/markup-compatibility/2006" xmlns:p14="http://schemas.microsoft.com/office/powerpoint/2010/main">
-    <mc:Choice Requires="p14">
-      <p:transition spd="med" p14:dur="700">
-        <p:fade/>
-      </p:transition>
-    </mc:Choice>
-    <mc:Fallback xmlns="">
-      <p:transition spd="med">
-        <p:fade/>
-      </p:transition>
-    </mc:Fallback>
-  </mc:AlternateContent>
-</p:sldLayout>
-</file>
-
-<file path=ppt/slideLayouts/slideLayout11.xml><?xml version="1.0" encoding="utf-8"?>
-<p:sldLayout xmlns:a="http://schemas.openxmlformats.org/drawingml/2006/main" xmlns:r="http://schemas.openxmlformats.org/officeDocument/2006/relationships" xmlns:p="http://schemas.openxmlformats.org/presentationml/2006/main" preserve="1" userDrawn="1">
-  <p:cSld name="1_Title &amp; Non-bulleted text black">
-    <p:bg>
-      <p:bgPr>
-        <a:solidFill>
-          <a:srgbClr val="000000"/>
-        </a:solidFill>
-        <a:effectLst/>
-      </p:bgPr>
-    </p:bg>
-    <p:spTree>
-      <p:nvGrpSpPr>
-        <p:cNvPr id="1" name=""/>
-        <p:cNvGrpSpPr/>
-        <p:nvPr/>
-      </p:nvGrpSpPr>
-      <p:grpSpPr>
-        <a:xfrm>
-          <a:off x="0" y="0"/>
-          <a:ext cx="0" cy="0"/>
-          <a:chOff x="0" y="0"/>
-          <a:chExt cx="0" cy="0"/>
-        </a:xfrm>
-      </p:grpSpPr>
-      <p:sp>
-        <p:nvSpPr>
-          <p:cNvPr id="2" name="Title 1"/>
-          <p:cNvSpPr>
-            <a:spLocks noGrp="1"/>
-          </p:cNvSpPr>
-          <p:nvPr>
-            <p:ph type="title"/>
-          </p:nvPr>
-        </p:nvSpPr>
-        <p:spPr/>
-        <p:txBody>
-          <a:bodyPr/>
-          <a:lstStyle>
-            <a:lvl1pPr>
-              <a:defRPr>
-                <a:solidFill>
-                  <a:srgbClr val="F2C811"/>
-                </a:solidFill>
-              </a:defRPr>
-            </a:lvl1pPr>
-          </a:lstStyle>
-          <a:p>
-            <a:r>
-              <a:rPr lang="en-US"/>
-              <a:t>Click to edit Master title style</a:t>
-            </a:r>
-          </a:p>
-        </p:txBody>
-      </p:sp>
-      <p:sp>
-        <p:nvSpPr>
-          <p:cNvPr id="6" name="Text Placeholder 5"/>
-          <p:cNvSpPr>
-            <a:spLocks noGrp="1"/>
-          </p:cNvSpPr>
-          <p:nvPr>
-            <p:ph type="body" sz="quarter" idx="10"/>
-          </p:nvPr>
-        </p:nvSpPr>
-        <p:spPr>
-          <a:xfrm>
-            <a:off x="269239" y="1189177"/>
-            <a:ext cx="11653523" cy="1985641"/>
-          </a:xfrm>
-        </p:spPr>
-        <p:txBody>
-          <a:bodyPr/>
-          <a:lstStyle>
-            <a:lvl1pPr marL="0" indent="0">
-              <a:buNone/>
-              <a:defRPr>
-                <a:solidFill>
-                  <a:schemeClr val="bg1"/>
-                </a:solidFill>
-              </a:defRPr>
-            </a:lvl1pPr>
-            <a:lvl2pPr marL="0" indent="0">
-              <a:buFontTx/>
-              <a:buNone/>
-              <a:defRPr sz="1961">
-                <a:solidFill>
-                  <a:schemeClr val="bg1"/>
-                </a:solidFill>
-              </a:defRPr>
-            </a:lvl2pPr>
-            <a:lvl3pPr marL="224097" indent="0">
-              <a:buNone/>
-              <a:defRPr>
-                <a:solidFill>
-                  <a:schemeClr val="bg1"/>
-                </a:solidFill>
-              </a:defRPr>
-            </a:lvl3pPr>
-            <a:lvl4pPr marL="448193" indent="0">
-              <a:buNone/>
-              <a:defRPr>
-                <a:solidFill>
-                  <a:schemeClr val="bg1"/>
-                </a:solidFill>
-              </a:defRPr>
-            </a:lvl4pPr>
-            <a:lvl5pPr marL="672290" indent="0">
-              <a:buNone/>
-              <a:defRPr>
-                <a:solidFill>
-                  <a:schemeClr val="bg1"/>
-                </a:solidFill>
-              </a:defRPr>
-            </a:lvl5pPr>
-          </a:lstStyle>
-          <a:p>
-            <a:pPr lvl="0"/>
-            <a:r>
-              <a:rPr lang="en-US"/>
-              <a:t>Edit Master text styles</a:t>
-            </a:r>
-          </a:p>
-          <a:p>
-            <a:pPr lvl="1"/>
-            <a:r>
-              <a:rPr lang="en-US"/>
-              <a:t>Second level</a:t>
-            </a:r>
-          </a:p>
-          <a:p>
-            <a:pPr lvl="2"/>
-            <a:r>
-              <a:rPr lang="en-US"/>
-              <a:t>Third level</a:t>
-            </a:r>
-          </a:p>
-          <a:p>
-            <a:pPr lvl="3"/>
-            <a:r>
-              <a:rPr lang="en-US"/>
-              <a:t>Fourth level</a:t>
-            </a:r>
-          </a:p>
-          <a:p>
-            <a:pPr lvl="4"/>
-            <a:r>
-              <a:rPr lang="en-US"/>
-              <a:t>Fifth level</a:t>
-            </a:r>
-          </a:p>
-        </p:txBody>
-      </p:sp>
-    </p:spTree>
-    <p:extLst>
-      <p:ext uri="{BB962C8B-B14F-4D97-AF65-F5344CB8AC3E}">
-        <p14:creationId xmlns:p14="http://schemas.microsoft.com/office/powerpoint/2010/main" val="3408619702"/>
-      </p:ext>
-    </p:extLst>
-  </p:cSld>
-  <p:clrMapOvr>
-    <a:masterClrMapping/>
-  </p:clrMapOvr>
-  <p:transition>
-    <p:fade/>
-  </p:transition>
-</p:sldLayout>
-</file>
-
-<file path=ppt/slideLayouts/slideLayout12.xml><?xml version="1.0" encoding="utf-8"?>
-<p:sldLayout xmlns:a="http://schemas.openxmlformats.org/drawingml/2006/main" xmlns:r="http://schemas.openxmlformats.org/officeDocument/2006/relationships" xmlns:p="http://schemas.openxmlformats.org/presentationml/2006/main" preserve="1" userDrawn="1">
-  <p:cSld name="3_Title Only_Black">
-    <p:bg>
-      <p:bgPr>
-        <a:solidFill>
-          <a:schemeClr val="tx1"/>
-        </a:solidFill>
-        <a:effectLst/>
-      </p:bgPr>
-    </p:bg>
-    <p:spTree>
-      <p:nvGrpSpPr>
-        <p:cNvPr id="1" name=""/>
-        <p:cNvGrpSpPr/>
-        <p:nvPr/>
-      </p:nvGrpSpPr>
-      <p:grpSpPr>
-        <a:xfrm>
-          <a:off x="0" y="0"/>
-          <a:ext cx="0" cy="0"/>
-          <a:chOff x="0" y="0"/>
-          <a:chExt cx="0" cy="0"/>
-        </a:xfrm>
-      </p:grpSpPr>
-      <p:sp>
-        <p:nvSpPr>
-          <p:cNvPr id="3" name="Title 2"/>
-          <p:cNvSpPr>
-            <a:spLocks noGrp="1"/>
-          </p:cNvSpPr>
-          <p:nvPr>
-            <p:ph type="title"/>
-          </p:nvPr>
-        </p:nvSpPr>
-        <p:spPr/>
-        <p:txBody>
-          <a:bodyPr/>
-          <a:lstStyle>
-            <a:lvl1pPr>
-              <a:defRPr>
-                <a:solidFill>
-                  <a:srgbClr val="F2C811"/>
-                </a:solidFill>
-              </a:defRPr>
-            </a:lvl1pPr>
-          </a:lstStyle>
-          <a:p>
-            <a:r>
-              <a:rPr lang="en-US"/>
-              <a:t>Click to edit Master title style</a:t>
-            </a:r>
-            <a:endParaRPr lang="en-IN"/>
-          </a:p>
-        </p:txBody>
-      </p:sp>
-    </p:spTree>
-    <p:extLst>
-      <p:ext uri="{BB962C8B-B14F-4D97-AF65-F5344CB8AC3E}">
-        <p14:creationId xmlns:p14="http://schemas.microsoft.com/office/powerpoint/2010/main" val="1409448133"/>
-      </p:ext>
-    </p:extLst>
-  </p:cSld>
-  <p:clrMapOvr>
-    <a:masterClrMapping/>
-  </p:clrMapOvr>
-  <p:transition>
-    <p:fade/>
-  </p:transition>
-</p:sldLayout>
-</file>
-
-<file path=ppt/slideLayouts/slideLayout13.xml><?xml version="1.0" encoding="utf-8"?>
-<p:sldLayout xmlns:a="http://schemas.openxmlformats.org/drawingml/2006/main" xmlns:r="http://schemas.openxmlformats.org/officeDocument/2006/relationships" xmlns:p="http://schemas.openxmlformats.org/presentationml/2006/main" userDrawn="1">
-  <p:cSld name="Title Only">
-    <p:spTree>
-      <p:nvGrpSpPr>
-        <p:cNvPr id="1" name=""/>
-        <p:cNvGrpSpPr/>
-        <p:nvPr/>
-      </p:nvGrpSpPr>
-      <p:grpSpPr>
-        <a:xfrm>
-          <a:off x="0" y="0"/>
-          <a:ext cx="0" cy="0"/>
-          <a:chOff x="0" y="0"/>
-          <a:chExt cx="0" cy="0"/>
-        </a:xfrm>
-      </p:grpSpPr>
-      <p:sp>
-        <p:nvSpPr>
-          <p:cNvPr id="2" name="Title 1"/>
-          <p:cNvSpPr>
-            <a:spLocks noGrp="1"/>
-          </p:cNvSpPr>
-          <p:nvPr>
-            <p:ph type="title"/>
-          </p:nvPr>
-        </p:nvSpPr>
-        <p:spPr/>
-        <p:txBody>
-          <a:bodyPr/>
-          <a:lstStyle/>
-          <a:p>
-            <a:r>
-              <a:rPr lang="en-US"/>
-              <a:t>Click to edit Master title style</a:t>
-            </a:r>
-            <a:endParaRPr lang="en-US" dirty="0"/>
-          </a:p>
-        </p:txBody>
-      </p:sp>
-    </p:spTree>
-    <p:extLst>
-      <p:ext uri="{BB962C8B-B14F-4D97-AF65-F5344CB8AC3E}">
-        <p14:creationId xmlns:p14="http://schemas.microsoft.com/office/powerpoint/2010/main" val="881731412"/>
-      </p:ext>
-    </p:extLst>
-  </p:cSld>
-  <p:clrMapOvr>
-    <a:masterClrMapping/>
-  </p:clrMapOvr>
-  <mc:AlternateContent xmlns:mc="http://schemas.openxmlformats.org/markup-compatibility/2006" xmlns:p14="http://schemas.microsoft.com/office/powerpoint/2010/main">
-    <mc:Choice Requires="p14">
-      <p:transition spd="med" p14:dur="700">
-        <p:fade/>
-      </p:transition>
-    </mc:Choice>
-    <mc:Fallback xmlns="">
-      <p:transition spd="med">
-        <p:fade/>
-      </p:transition>
-    </mc:Fallback>
-  </mc:AlternateContent>
-</p:sldLayout>
-</file>
-
-<file path=ppt/slideLayouts/slideLayout14.xml><?xml version="1.0" encoding="utf-8"?>
-<p:sldLayout xmlns:a="http://schemas.openxmlformats.org/drawingml/2006/main" xmlns:r="http://schemas.openxmlformats.org/officeDocument/2006/relationships" xmlns:p="http://schemas.openxmlformats.org/presentationml/2006/main" userDrawn="1">
-  <p:cSld name="Blank Accent Color 2">
-    <p:spTree>
-      <p:nvGrpSpPr>
-        <p:cNvPr id="1" name=""/>
-        <p:cNvGrpSpPr/>
-        <p:nvPr/>
-      </p:nvGrpSpPr>
-      <p:grpSpPr>
-        <a:xfrm>
-          <a:off x="0" y="0"/>
-          <a:ext cx="0" cy="0"/>
-          <a:chOff x="0" y="0"/>
-          <a:chExt cx="0" cy="0"/>
-        </a:xfrm>
-      </p:grpSpPr>
-    </p:spTree>
-    <p:extLst>
-      <p:ext uri="{BB962C8B-B14F-4D97-AF65-F5344CB8AC3E}">
-        <p14:creationId xmlns:p14="http://schemas.microsoft.com/office/powerpoint/2010/main" val="1592822063"/>
-      </p:ext>
-    </p:extLst>
-  </p:cSld>
-  <p:clrMapOvr>
-    <a:masterClrMapping/>
-  </p:clrMapOvr>
-  <p:transition>
-    <p:fade/>
-  </p:transition>
-</p:sldLayout>
-</file>
-
-<file path=ppt/slideLayouts/slideLayout2.xml><?xml version="1.0" encoding="utf-8"?>
 <p:sldLayout xmlns:a="http://schemas.openxmlformats.org/drawingml/2006/main" xmlns:r="http://schemas.openxmlformats.org/officeDocument/2006/relationships" xmlns:p="http://schemas.openxmlformats.org/presentationml/2006/main" preserve="1" userDrawn="1">
   <p:cSld name="Module Title">
     <p:bg>
@@ -25961,36 +25225,6 @@
           </a:p>
         </p:txBody>
       </p:sp>
-      <p:pic>
-        <p:nvPicPr>
-          <p:cNvPr id="10" name="Picture 9"/>
-          <p:cNvPicPr>
-            <a:picLocks noChangeAspect="1"/>
-          </p:cNvPicPr>
-          <p:nvPr userDrawn="1"/>
-        </p:nvPicPr>
-        <p:blipFill>
-          <a:blip r:embed="rId2">
-            <a:extLst>
-              <a:ext uri="{28A0092B-C50C-407E-A947-70E740481C1C}">
-                <a14:useLocalDpi xmlns:a14="http://schemas.microsoft.com/office/drawing/2010/main" val="0"/>
-              </a:ext>
-            </a:extLst>
-          </a:blip>
-          <a:stretch>
-            <a:fillRect/>
-          </a:stretch>
-        </p:blipFill>
-        <p:spPr>
-          <a:xfrm>
-            <a:off x="213939" y="199344"/>
-            <a:ext cx="1527557" cy="556031"/>
-          </a:xfrm>
-          <a:prstGeom prst="rect">
-            <a:avLst/>
-          </a:prstGeom>
-        </p:spPr>
-      </p:pic>
     </p:spTree>
     <p:extLst>
       <p:ext uri="{BB962C8B-B14F-4D97-AF65-F5344CB8AC3E}">
@@ -26294,7 +25528,626 @@
 </p:sldLayout>
 </file>
 
-<file path=ppt/slideLayouts/slideLayout3.xml><?xml version="1.0" encoding="utf-8"?>
+<file path=ppt/slideLayouts/slideLayout10.xml><?xml version="1.0" encoding="utf-8"?>
+<p:sldLayout xmlns:a="http://schemas.openxmlformats.org/drawingml/2006/main" xmlns:r="http://schemas.openxmlformats.org/officeDocument/2006/relationships" xmlns:p="http://schemas.openxmlformats.org/presentationml/2006/main" preserve="1" userDrawn="1">
+  <p:cSld name="3_Title Only_Black">
+    <p:bg>
+      <p:bgPr>
+        <a:solidFill>
+          <a:schemeClr val="tx1"/>
+        </a:solidFill>
+        <a:effectLst/>
+      </p:bgPr>
+    </p:bg>
+    <p:spTree>
+      <p:nvGrpSpPr>
+        <p:cNvPr id="1" name=""/>
+        <p:cNvGrpSpPr/>
+        <p:nvPr/>
+      </p:nvGrpSpPr>
+      <p:grpSpPr>
+        <a:xfrm>
+          <a:off x="0" y="0"/>
+          <a:ext cx="0" cy="0"/>
+          <a:chOff x="0" y="0"/>
+          <a:chExt cx="0" cy="0"/>
+        </a:xfrm>
+      </p:grpSpPr>
+      <p:sp>
+        <p:nvSpPr>
+          <p:cNvPr id="3" name="Title 2"/>
+          <p:cNvSpPr>
+            <a:spLocks noGrp="1"/>
+          </p:cNvSpPr>
+          <p:nvPr>
+            <p:ph type="title"/>
+          </p:nvPr>
+        </p:nvSpPr>
+        <p:spPr/>
+        <p:txBody>
+          <a:bodyPr/>
+          <a:lstStyle>
+            <a:lvl1pPr>
+              <a:defRPr>
+                <a:solidFill>
+                  <a:srgbClr val="F2C811"/>
+                </a:solidFill>
+              </a:defRPr>
+            </a:lvl1pPr>
+          </a:lstStyle>
+          <a:p>
+            <a:r>
+              <a:rPr lang="en-US"/>
+              <a:t>Click to edit Master title style</a:t>
+            </a:r>
+            <a:endParaRPr lang="en-IN"/>
+          </a:p>
+        </p:txBody>
+      </p:sp>
+    </p:spTree>
+    <p:extLst>
+      <p:ext uri="{BB962C8B-B14F-4D97-AF65-F5344CB8AC3E}">
+        <p14:creationId xmlns:p14="http://schemas.microsoft.com/office/powerpoint/2010/main" val="1409448133"/>
+      </p:ext>
+    </p:extLst>
+  </p:cSld>
+  <p:clrMapOvr>
+    <a:masterClrMapping/>
+  </p:clrMapOvr>
+  <p:transition>
+    <p:fade/>
+  </p:transition>
+</p:sldLayout>
+</file>
+
+<file path=ppt/slideLayouts/slideLayout11.xml><?xml version="1.0" encoding="utf-8"?>
+<p:sldLayout xmlns:a="http://schemas.openxmlformats.org/drawingml/2006/main" xmlns:r="http://schemas.openxmlformats.org/officeDocument/2006/relationships" xmlns:p="http://schemas.openxmlformats.org/presentationml/2006/main" userDrawn="1">
+  <p:cSld name="Title Only">
+    <p:spTree>
+      <p:nvGrpSpPr>
+        <p:cNvPr id="1" name=""/>
+        <p:cNvGrpSpPr/>
+        <p:nvPr/>
+      </p:nvGrpSpPr>
+      <p:grpSpPr>
+        <a:xfrm>
+          <a:off x="0" y="0"/>
+          <a:ext cx="0" cy="0"/>
+          <a:chOff x="0" y="0"/>
+          <a:chExt cx="0" cy="0"/>
+        </a:xfrm>
+      </p:grpSpPr>
+      <p:sp>
+        <p:nvSpPr>
+          <p:cNvPr id="2" name="Title 1"/>
+          <p:cNvSpPr>
+            <a:spLocks noGrp="1"/>
+          </p:cNvSpPr>
+          <p:nvPr>
+            <p:ph type="title"/>
+          </p:nvPr>
+        </p:nvSpPr>
+        <p:spPr/>
+        <p:txBody>
+          <a:bodyPr/>
+          <a:lstStyle/>
+          <a:p>
+            <a:r>
+              <a:rPr lang="en-US"/>
+              <a:t>Click to edit Master title style</a:t>
+            </a:r>
+            <a:endParaRPr lang="en-US" dirty="0"/>
+          </a:p>
+        </p:txBody>
+      </p:sp>
+    </p:spTree>
+    <p:extLst>
+      <p:ext uri="{BB962C8B-B14F-4D97-AF65-F5344CB8AC3E}">
+        <p14:creationId xmlns:p14="http://schemas.microsoft.com/office/powerpoint/2010/main" val="881731412"/>
+      </p:ext>
+    </p:extLst>
+  </p:cSld>
+  <p:clrMapOvr>
+    <a:masterClrMapping/>
+  </p:clrMapOvr>
+  <mc:AlternateContent xmlns:mc="http://schemas.openxmlformats.org/markup-compatibility/2006" xmlns:p14="http://schemas.microsoft.com/office/powerpoint/2010/main">
+    <mc:Choice Requires="p14">
+      <p:transition spd="med" p14:dur="700">
+        <p:fade/>
+      </p:transition>
+    </mc:Choice>
+    <mc:Fallback xmlns="">
+      <p:transition spd="med">
+        <p:fade/>
+      </p:transition>
+    </mc:Fallback>
+  </mc:AlternateContent>
+</p:sldLayout>
+</file>
+
+<file path=ppt/slideLayouts/slideLayout12.xml><?xml version="1.0" encoding="utf-8"?>
+<p:sldLayout xmlns:a="http://schemas.openxmlformats.org/drawingml/2006/main" xmlns:r="http://schemas.openxmlformats.org/officeDocument/2006/relationships" xmlns:p="http://schemas.openxmlformats.org/presentationml/2006/main" userDrawn="1">
+  <p:cSld name="Blank Accent Color 2">
+    <p:spTree>
+      <p:nvGrpSpPr>
+        <p:cNvPr id="1" name=""/>
+        <p:cNvGrpSpPr/>
+        <p:nvPr/>
+      </p:nvGrpSpPr>
+      <p:grpSpPr>
+        <a:xfrm>
+          <a:off x="0" y="0"/>
+          <a:ext cx="0" cy="0"/>
+          <a:chOff x="0" y="0"/>
+          <a:chExt cx="0" cy="0"/>
+        </a:xfrm>
+      </p:grpSpPr>
+    </p:spTree>
+    <p:extLst>
+      <p:ext uri="{BB962C8B-B14F-4D97-AF65-F5344CB8AC3E}">
+        <p14:creationId xmlns:p14="http://schemas.microsoft.com/office/powerpoint/2010/main" val="1592822063"/>
+      </p:ext>
+    </p:extLst>
+  </p:cSld>
+  <p:clrMapOvr>
+    <a:masterClrMapping/>
+  </p:clrMapOvr>
+  <p:transition>
+    <p:fade/>
+  </p:transition>
+</p:sldLayout>
+</file>
+
+<file path=ppt/slideLayouts/slideLayout13.xml><?xml version="1.0" encoding="utf-8"?>
+<p:sldLayout xmlns:a="http://schemas.openxmlformats.org/drawingml/2006/main" xmlns:r="http://schemas.openxmlformats.org/officeDocument/2006/relationships" xmlns:p="http://schemas.openxmlformats.org/presentationml/2006/main" type="title">
+  <p:cSld name="Presentation Title">
+    <p:bg>
+      <p:bgPr>
+        <a:solidFill>
+          <a:srgbClr val="EDC30D"/>
+        </a:solidFill>
+        <a:effectLst/>
+      </p:bgPr>
+    </p:bg>
+    <p:spTree>
+      <p:nvGrpSpPr>
+        <p:cNvPr id="1" name=""/>
+        <p:cNvGrpSpPr/>
+        <p:nvPr/>
+      </p:nvGrpSpPr>
+      <p:grpSpPr>
+        <a:xfrm>
+          <a:off x="0" y="0"/>
+          <a:ext cx="0" cy="0"/>
+          <a:chOff x="0" y="0"/>
+          <a:chExt cx="0" cy="0"/>
+        </a:xfrm>
+      </p:grpSpPr>
+      <p:sp>
+        <p:nvSpPr>
+          <p:cNvPr id="2" name="Title 1"/>
+          <p:cNvSpPr>
+            <a:spLocks noGrp="1"/>
+          </p:cNvSpPr>
+          <p:nvPr>
+            <p:ph type="ctrTitle" hasCustomPrompt="1"/>
+          </p:nvPr>
+        </p:nvSpPr>
+        <p:spPr>
+          <a:xfrm>
+            <a:off x="1488558" y="1776549"/>
+            <a:ext cx="9788342" cy="2721023"/>
+          </a:xfrm>
+        </p:spPr>
+        <p:txBody>
+          <a:bodyPr/>
+          <a:lstStyle>
+            <a:lvl1pPr>
+              <a:defRPr sz="6000">
+                <a:solidFill>
+                  <a:schemeClr val="tx1"/>
+                </a:solidFill>
+                <a:latin typeface="Segoe UI Semibold" panose="020B0702040204020203" pitchFamily="34" charset="0"/>
+                <a:cs typeface="Segoe UI Semibold" panose="020B0702040204020203" pitchFamily="34" charset="0"/>
+              </a:defRPr>
+            </a:lvl1pPr>
+          </a:lstStyle>
+          <a:p>
+            <a:r>
+              <a:rPr lang="en-US"/>
+              <a:t>Presentation title</a:t>
+            </a:r>
+          </a:p>
+        </p:txBody>
+      </p:sp>
+      <p:sp>
+        <p:nvSpPr>
+          <p:cNvPr id="3" name="Subtitle 2"/>
+          <p:cNvSpPr>
+            <a:spLocks noGrp="1"/>
+          </p:cNvSpPr>
+          <p:nvPr>
+            <p:ph type="subTitle" idx="1" hasCustomPrompt="1"/>
+          </p:nvPr>
+        </p:nvSpPr>
+        <p:spPr>
+          <a:xfrm>
+            <a:off x="1488558" y="4749150"/>
+            <a:ext cx="9788342" cy="1034782"/>
+          </a:xfrm>
+        </p:spPr>
+        <p:txBody>
+          <a:bodyPr/>
+          <a:lstStyle>
+            <a:lvl1pPr marL="0" indent="0" algn="l">
+              <a:buNone/>
+              <a:defRPr sz="2157">
+                <a:solidFill>
+                  <a:schemeClr val="tx1"/>
+                </a:solidFill>
+                <a:latin typeface="+mn-lt"/>
+              </a:defRPr>
+            </a:lvl1pPr>
+            <a:lvl2pPr marL="448193" indent="0" algn="ctr">
+              <a:buNone/>
+              <a:defRPr>
+                <a:solidFill>
+                  <a:schemeClr val="tx1">
+                    <a:tint val="75000"/>
+                  </a:schemeClr>
+                </a:solidFill>
+              </a:defRPr>
+            </a:lvl2pPr>
+            <a:lvl3pPr marL="896386" indent="0" algn="ctr">
+              <a:buNone/>
+              <a:defRPr>
+                <a:solidFill>
+                  <a:schemeClr val="tx1">
+                    <a:tint val="75000"/>
+                  </a:schemeClr>
+                </a:solidFill>
+              </a:defRPr>
+            </a:lvl3pPr>
+            <a:lvl4pPr marL="1344579" indent="0" algn="ctr">
+              <a:buNone/>
+              <a:defRPr>
+                <a:solidFill>
+                  <a:schemeClr val="tx1">
+                    <a:tint val="75000"/>
+                  </a:schemeClr>
+                </a:solidFill>
+              </a:defRPr>
+            </a:lvl4pPr>
+            <a:lvl5pPr marL="1792773" indent="0" algn="ctr">
+              <a:buNone/>
+              <a:defRPr>
+                <a:solidFill>
+                  <a:schemeClr val="tx1">
+                    <a:tint val="75000"/>
+                  </a:schemeClr>
+                </a:solidFill>
+              </a:defRPr>
+            </a:lvl5pPr>
+            <a:lvl6pPr marL="2240966" indent="0" algn="ctr">
+              <a:buNone/>
+              <a:defRPr>
+                <a:solidFill>
+                  <a:schemeClr val="tx1">
+                    <a:tint val="75000"/>
+                  </a:schemeClr>
+                </a:solidFill>
+              </a:defRPr>
+            </a:lvl6pPr>
+            <a:lvl7pPr marL="2689159" indent="0" algn="ctr">
+              <a:buNone/>
+              <a:defRPr>
+                <a:solidFill>
+                  <a:schemeClr val="tx1">
+                    <a:tint val="75000"/>
+                  </a:schemeClr>
+                </a:solidFill>
+              </a:defRPr>
+            </a:lvl7pPr>
+            <a:lvl8pPr marL="3137352" indent="0" algn="ctr">
+              <a:buNone/>
+              <a:defRPr>
+                <a:solidFill>
+                  <a:schemeClr val="tx1">
+                    <a:tint val="75000"/>
+                  </a:schemeClr>
+                </a:solidFill>
+              </a:defRPr>
+            </a:lvl8pPr>
+            <a:lvl9pPr marL="3585545" indent="0" algn="ctr">
+              <a:buNone/>
+              <a:defRPr>
+                <a:solidFill>
+                  <a:schemeClr val="tx1">
+                    <a:tint val="75000"/>
+                  </a:schemeClr>
+                </a:solidFill>
+              </a:defRPr>
+            </a:lvl9pPr>
+          </a:lstStyle>
+          <a:p>
+            <a:r>
+              <a:rPr lang="en-US"/>
+              <a:t>Speaker Name</a:t>
+            </a:r>
+            <a:br>
+              <a:rPr lang="en-US"/>
+            </a:br>
+            <a:r>
+              <a:rPr lang="en-US"/>
+              <a:t>Date</a:t>
+            </a:r>
+          </a:p>
+        </p:txBody>
+      </p:sp>
+      <p:pic>
+        <p:nvPicPr>
+          <p:cNvPr id="6" name="Picture 5" descr="A picture containing plate&#10;&#10;Description automatically generated">
+            <a:extLst>
+              <a:ext uri="{FF2B5EF4-FFF2-40B4-BE49-F238E27FC236}">
+                <a16:creationId xmlns:a16="http://schemas.microsoft.com/office/drawing/2014/main" id="{D6A85A30-250C-419D-AF40-7BE0DC23EC7D}"/>
+              </a:ext>
+            </a:extLst>
+          </p:cNvPr>
+          <p:cNvPicPr>
+            <a:picLocks noChangeAspect="1"/>
+          </p:cNvPicPr>
+          <p:nvPr userDrawn="1"/>
+        </p:nvPicPr>
+        <p:blipFill>
+          <a:blip r:embed="rId2">
+            <a:extLst>
+              <a:ext uri="{BEBA8EAE-BF5A-486C-A8C5-ECC9F3942E4B}">
+                <a14:imgProps xmlns:a14="http://schemas.microsoft.com/office/drawing/2010/main">
+                  <a14:imgLayer r:embed="rId3">
+                    <a14:imgEffect>
+                      <a14:backgroundRemoval t="10000" b="90000" l="10000" r="90000"/>
+                    </a14:imgEffect>
+                  </a14:imgLayer>
+                </a14:imgProps>
+              </a:ext>
+              <a:ext uri="{28A0092B-C50C-407E-A947-70E740481C1C}">
+                <a14:useLocalDpi xmlns:a14="http://schemas.microsoft.com/office/drawing/2010/main" val="0"/>
+              </a:ext>
+            </a:extLst>
+          </a:blip>
+          <a:stretch>
+            <a:fillRect/>
+          </a:stretch>
+        </p:blipFill>
+        <p:spPr>
+          <a:xfrm>
+            <a:off x="10842339" y="5659526"/>
+            <a:ext cx="1157963" cy="1157963"/>
+          </a:xfrm>
+          <a:prstGeom prst="rect">
+            <a:avLst/>
+          </a:prstGeom>
+        </p:spPr>
+      </p:pic>
+    </p:spTree>
+    <p:extLst>
+      <p:ext uri="{BB962C8B-B14F-4D97-AF65-F5344CB8AC3E}">
+        <p14:creationId xmlns:p14="http://schemas.microsoft.com/office/powerpoint/2010/main" val="812851233"/>
+      </p:ext>
+    </p:extLst>
+  </p:cSld>
+  <p:clrMapOvr>
+    <a:masterClrMapping/>
+  </p:clrMapOvr>
+  <mc:AlternateContent xmlns:mc="http://schemas.openxmlformats.org/markup-compatibility/2006" xmlns:p14="http://schemas.microsoft.com/office/powerpoint/2010/main">
+    <mc:Choice Requires="p14">
+      <p:transition spd="med" p14:dur="700">
+        <p:fade/>
+      </p:transition>
+    </mc:Choice>
+    <mc:Fallback xmlns="">
+      <p:transition spd="med">
+        <p:fade/>
+      </p:transition>
+    </mc:Fallback>
+  </mc:AlternateContent>
+</p:sldLayout>
+</file>
+
+<file path=ppt/slideLayouts/slideLayout14.xml><?xml version="1.0" encoding="utf-8"?>
+<p:sldLayout xmlns:a="http://schemas.openxmlformats.org/drawingml/2006/main" xmlns:r="http://schemas.openxmlformats.org/officeDocument/2006/relationships" xmlns:p="http://schemas.openxmlformats.org/presentationml/2006/main" userDrawn="1">
+  <p:cSld name="Presentation Closing">
+    <p:bg>
+      <p:bgPr>
+        <a:solidFill>
+          <a:srgbClr val="EDC30D"/>
+        </a:solidFill>
+        <a:effectLst/>
+      </p:bgPr>
+    </p:bg>
+    <p:spTree>
+      <p:nvGrpSpPr>
+        <p:cNvPr id="1" name=""/>
+        <p:cNvGrpSpPr/>
+        <p:nvPr/>
+      </p:nvGrpSpPr>
+      <p:grpSpPr>
+        <a:xfrm>
+          <a:off x="0" y="0"/>
+          <a:ext cx="0" cy="0"/>
+          <a:chOff x="0" y="0"/>
+          <a:chExt cx="0" cy="0"/>
+        </a:xfrm>
+      </p:grpSpPr>
+      <p:graphicFrame>
+        <p:nvGraphicFramePr>
+          <p:cNvPr id="2" name="Object 1" hidden="1"/>
+          <p:cNvGraphicFramePr>
+            <a:graphicFrameLocks noChangeAspect="1"/>
+          </p:cNvGraphicFramePr>
+          <p:nvPr userDrawn="1">
+            <p:custDataLst>
+              <p:tags r:id="rId2"/>
+            </p:custDataLst>
+          </p:nvPr>
+        </p:nvGraphicFramePr>
+        <p:xfrm>
+          <a:off x="1557" y="1558"/>
+          <a:ext cx="1556" cy="1556"/>
+        </p:xfrm>
+        <a:graphic>
+          <a:graphicData uri="http://schemas.openxmlformats.org/presentationml/2006/ole">
+            <mc:AlternateContent xmlns:mc="http://schemas.openxmlformats.org/markup-compatibility/2006">
+              <mc:Choice xmlns:v="urn:schemas-microsoft-com:vml" Requires="v">
+                <p:oleObj spid="_x0000_s1026" name="think-cell Slide" r:id="rId4" imgW="270" imgH="270" progId="TCLayout.ActiveDocument.1">
+                  <p:embed/>
+                </p:oleObj>
+              </mc:Choice>
+              <mc:Fallback>
+                <p:oleObj name="think-cell Slide" r:id="rId4" imgW="270" imgH="270" progId="TCLayout.ActiveDocument.1">
+                  <p:embed/>
+                  <p:pic>
+                    <p:nvPicPr>
+                      <p:cNvPr id="2" name="Object 1" hidden="1"/>
+                      <p:cNvPicPr/>
+                      <p:nvPr/>
+                    </p:nvPicPr>
+                    <p:blipFill>
+                      <a:blip r:embed="rId5"/>
+                      <a:stretch>
+                        <a:fillRect/>
+                      </a:stretch>
+                    </p:blipFill>
+                    <p:spPr>
+                      <a:xfrm>
+                        <a:off x="1557" y="1558"/>
+                        <a:ext cx="1556" cy="1556"/>
+                      </a:xfrm>
+                      <a:prstGeom prst="rect">
+                        <a:avLst/>
+                      </a:prstGeom>
+                    </p:spPr>
+                  </p:pic>
+                </p:oleObj>
+              </mc:Fallback>
+            </mc:AlternateContent>
+          </a:graphicData>
+        </a:graphic>
+      </p:graphicFrame>
+      <p:pic>
+        <p:nvPicPr>
+          <p:cNvPr id="5" name="Picture 4" descr="A picture containing plate&#10;&#10;Description automatically generated">
+            <a:extLst>
+              <a:ext uri="{FF2B5EF4-FFF2-40B4-BE49-F238E27FC236}">
+                <a16:creationId xmlns:a16="http://schemas.microsoft.com/office/drawing/2014/main" id="{66FC881D-83BE-4DF4-91B1-42EB97D23392}"/>
+              </a:ext>
+            </a:extLst>
+          </p:cNvPr>
+          <p:cNvPicPr>
+            <a:picLocks noChangeAspect="1"/>
+          </p:cNvPicPr>
+          <p:nvPr userDrawn="1"/>
+        </p:nvPicPr>
+        <p:blipFill>
+          <a:blip r:embed="rId6">
+            <a:extLst>
+              <a:ext uri="{BEBA8EAE-BF5A-486C-A8C5-ECC9F3942E4B}">
+                <a14:imgProps xmlns:a14="http://schemas.microsoft.com/office/drawing/2010/main">
+                  <a14:imgLayer r:embed="rId7">
+                    <a14:imgEffect>
+                      <a14:backgroundRemoval t="10000" b="90000" l="10000" r="90000"/>
+                    </a14:imgEffect>
+                  </a14:imgLayer>
+                </a14:imgProps>
+              </a:ext>
+              <a:ext uri="{28A0092B-C50C-407E-A947-70E740481C1C}">
+                <a14:useLocalDpi xmlns:a14="http://schemas.microsoft.com/office/drawing/2010/main" val="0"/>
+              </a:ext>
+            </a:extLst>
+          </a:blip>
+          <a:stretch>
+            <a:fillRect/>
+          </a:stretch>
+        </p:blipFill>
+        <p:spPr>
+          <a:xfrm>
+            <a:off x="10842339" y="5659526"/>
+            <a:ext cx="1157963" cy="1157963"/>
+          </a:xfrm>
+          <a:prstGeom prst="rect">
+            <a:avLst/>
+          </a:prstGeom>
+        </p:spPr>
+      </p:pic>
+      <p:sp>
+        <p:nvSpPr>
+          <p:cNvPr id="6" name="Title 1">
+            <a:extLst>
+              <a:ext uri="{FF2B5EF4-FFF2-40B4-BE49-F238E27FC236}">
+                <a16:creationId xmlns:a16="http://schemas.microsoft.com/office/drawing/2014/main" id="{51E36CE3-C893-42CC-8706-D086D6C92178}"/>
+              </a:ext>
+            </a:extLst>
+          </p:cNvPr>
+          <p:cNvSpPr>
+            <a:spLocks noGrp="1"/>
+          </p:cNvSpPr>
+          <p:nvPr>
+            <p:ph type="ctrTitle" hasCustomPrompt="1"/>
+          </p:nvPr>
+        </p:nvSpPr>
+        <p:spPr>
+          <a:xfrm>
+            <a:off x="1488558" y="1776549"/>
+            <a:ext cx="9788342" cy="2721023"/>
+          </a:xfrm>
+        </p:spPr>
+        <p:txBody>
+          <a:bodyPr/>
+          <a:lstStyle>
+            <a:lvl1pPr>
+              <a:defRPr sz="6000">
+                <a:solidFill>
+                  <a:schemeClr val="tx1"/>
+                </a:solidFill>
+                <a:latin typeface="Segoe UI Semibold" panose="020B0702040204020203" pitchFamily="34" charset="0"/>
+                <a:cs typeface="Segoe UI Semibold" panose="020B0702040204020203" pitchFamily="34" charset="0"/>
+              </a:defRPr>
+            </a:lvl1pPr>
+          </a:lstStyle>
+          <a:p>
+            <a:r>
+              <a:rPr lang="en-US" dirty="0"/>
+              <a:t>Thank you</a:t>
+            </a:r>
+          </a:p>
+        </p:txBody>
+      </p:sp>
+    </p:spTree>
+    <p:extLst>
+      <p:ext uri="{BB962C8B-B14F-4D97-AF65-F5344CB8AC3E}">
+        <p14:creationId xmlns:p14="http://schemas.microsoft.com/office/powerpoint/2010/main" val="312155031"/>
+      </p:ext>
+    </p:extLst>
+  </p:cSld>
+  <p:clrMapOvr>
+    <a:masterClrMapping/>
+  </p:clrMapOvr>
+  <mc:AlternateContent xmlns:mc="http://schemas.openxmlformats.org/markup-compatibility/2006" xmlns:p14="http://schemas.microsoft.com/office/powerpoint/2010/main">
+    <mc:Choice Requires="p14">
+      <p:transition spd="med" p14:dur="700">
+        <p:fade/>
+      </p:transition>
+    </mc:Choice>
+    <mc:Fallback xmlns="">
+      <p:transition spd="med">
+        <p:fade/>
+      </p:transition>
+    </mc:Fallback>
+  </mc:AlternateContent>
+</p:sldLayout>
+</file>
+
+<file path=ppt/slideLayouts/slideLayout2.xml><?xml version="1.0" encoding="utf-8"?>
 <p:sldLayout xmlns:a="http://schemas.openxmlformats.org/drawingml/2006/main" xmlns:r="http://schemas.openxmlformats.org/officeDocument/2006/relationships" xmlns:p="http://schemas.openxmlformats.org/presentationml/2006/main" preserve="1" userDrawn="1">
   <p:cSld name="Blank Accent Color 3">
     <p:spTree>
@@ -26384,7 +26237,7 @@
 </p:sldLayout>
 </file>
 
-<file path=ppt/slideLayouts/slideLayout4.xml><?xml version="1.0" encoding="utf-8"?>
+<file path=ppt/slideLayouts/slideLayout3.xml><?xml version="1.0" encoding="utf-8"?>
 <p:sldLayout xmlns:a="http://schemas.openxmlformats.org/drawingml/2006/main" xmlns:r="http://schemas.openxmlformats.org/officeDocument/2006/relationships" xmlns:p="http://schemas.openxmlformats.org/presentationml/2006/main" preserve="1" userDrawn="1">
   <p:cSld name="3_Blank">
     <p:spTree>
@@ -26590,7 +26443,7 @@
 </p:sldLayout>
 </file>
 
-<file path=ppt/slideLayouts/slideLayout5.xml><?xml version="1.0" encoding="utf-8"?>
+<file path=ppt/slideLayouts/slideLayout4.xml><?xml version="1.0" encoding="utf-8"?>
 <p:sldLayout xmlns:a="http://schemas.openxmlformats.org/drawingml/2006/main" xmlns:r="http://schemas.openxmlformats.org/officeDocument/2006/relationships" xmlns:p="http://schemas.openxmlformats.org/presentationml/2006/main" preserve="1" userDrawn="1">
   <p:cSld name="4_Blank">
     <p:spTree>
@@ -26734,7 +26587,7 @@
 </p:sldLayout>
 </file>
 
-<file path=ppt/slideLayouts/slideLayout6.xml><?xml version="1.0" encoding="utf-8"?>
+<file path=ppt/slideLayouts/slideLayout5.xml><?xml version="1.0" encoding="utf-8"?>
 <p:sldLayout xmlns:a="http://schemas.openxmlformats.org/drawingml/2006/main" xmlns:r="http://schemas.openxmlformats.org/officeDocument/2006/relationships" xmlns:p="http://schemas.openxmlformats.org/presentationml/2006/main" preserve="1" userDrawn="1">
   <p:cSld name="5_Blank">
     <p:spTree>
@@ -26878,7 +26731,7 @@
 </p:sldLayout>
 </file>
 
-<file path=ppt/slideLayouts/slideLayout7.xml><?xml version="1.0" encoding="utf-8"?>
+<file path=ppt/slideLayouts/slideLayout6.xml><?xml version="1.0" encoding="utf-8"?>
 <p:sldLayout xmlns:a="http://schemas.openxmlformats.org/drawingml/2006/main" xmlns:r="http://schemas.openxmlformats.org/officeDocument/2006/relationships" xmlns:p="http://schemas.openxmlformats.org/presentationml/2006/main" preserve="1" userDrawn="1">
   <p:cSld name="6_Blank">
     <p:spTree>
@@ -27084,7 +26937,7 @@
 </p:sldLayout>
 </file>
 
-<file path=ppt/slideLayouts/slideLayout8.xml><?xml version="1.0" encoding="utf-8"?>
+<file path=ppt/slideLayouts/slideLayout7.xml><?xml version="1.0" encoding="utf-8"?>
 <p:sldLayout xmlns:a="http://schemas.openxmlformats.org/drawingml/2006/main" xmlns:r="http://schemas.openxmlformats.org/officeDocument/2006/relationships" xmlns:p="http://schemas.openxmlformats.org/presentationml/2006/main" preserve="1" userDrawn="1">
   <p:cSld name="1_Blank">
     <p:spTree>
@@ -27202,7 +27055,7 @@
 </p:sldLayout>
 </file>
 
-<file path=ppt/slideLayouts/slideLayout9.xml><?xml version="1.0" encoding="utf-8"?>
+<file path=ppt/slideLayouts/slideLayout8.xml><?xml version="1.0" encoding="utf-8"?>
 <p:sldLayout xmlns:a="http://schemas.openxmlformats.org/drawingml/2006/main" xmlns:r="http://schemas.openxmlformats.org/officeDocument/2006/relationships" xmlns:p="http://schemas.openxmlformats.org/presentationml/2006/main" preserve="1" userDrawn="1">
   <p:cSld name="2_Blank">
     <p:spTree>
@@ -27382,6 +27235,175 @@
 </p:sldLayout>
 </file>
 
+<file path=ppt/slideLayouts/slideLayout9.xml><?xml version="1.0" encoding="utf-8"?>
+<p:sldLayout xmlns:a="http://schemas.openxmlformats.org/drawingml/2006/main" xmlns:r="http://schemas.openxmlformats.org/officeDocument/2006/relationships" xmlns:p="http://schemas.openxmlformats.org/presentationml/2006/main" preserve="1" userDrawn="1">
+  <p:cSld name="1_Title &amp; Non-bulleted text black">
+    <p:bg>
+      <p:bgPr>
+        <a:solidFill>
+          <a:srgbClr val="000000"/>
+        </a:solidFill>
+        <a:effectLst/>
+      </p:bgPr>
+    </p:bg>
+    <p:spTree>
+      <p:nvGrpSpPr>
+        <p:cNvPr id="1" name=""/>
+        <p:cNvGrpSpPr/>
+        <p:nvPr/>
+      </p:nvGrpSpPr>
+      <p:grpSpPr>
+        <a:xfrm>
+          <a:off x="0" y="0"/>
+          <a:ext cx="0" cy="0"/>
+          <a:chOff x="0" y="0"/>
+          <a:chExt cx="0" cy="0"/>
+        </a:xfrm>
+      </p:grpSpPr>
+      <p:sp>
+        <p:nvSpPr>
+          <p:cNvPr id="2" name="Title 1"/>
+          <p:cNvSpPr>
+            <a:spLocks noGrp="1"/>
+          </p:cNvSpPr>
+          <p:nvPr>
+            <p:ph type="title"/>
+          </p:nvPr>
+        </p:nvSpPr>
+        <p:spPr/>
+        <p:txBody>
+          <a:bodyPr/>
+          <a:lstStyle>
+            <a:lvl1pPr>
+              <a:defRPr>
+                <a:solidFill>
+                  <a:srgbClr val="F2C811"/>
+                </a:solidFill>
+              </a:defRPr>
+            </a:lvl1pPr>
+          </a:lstStyle>
+          <a:p>
+            <a:r>
+              <a:rPr lang="en-US"/>
+              <a:t>Click to edit Master title style</a:t>
+            </a:r>
+          </a:p>
+        </p:txBody>
+      </p:sp>
+      <p:sp>
+        <p:nvSpPr>
+          <p:cNvPr id="6" name="Text Placeholder 5"/>
+          <p:cNvSpPr>
+            <a:spLocks noGrp="1"/>
+          </p:cNvSpPr>
+          <p:nvPr>
+            <p:ph type="body" sz="quarter" idx="10"/>
+          </p:nvPr>
+        </p:nvSpPr>
+        <p:spPr>
+          <a:xfrm>
+            <a:off x="269239" y="1189177"/>
+            <a:ext cx="11653523" cy="1985641"/>
+          </a:xfrm>
+        </p:spPr>
+        <p:txBody>
+          <a:bodyPr/>
+          <a:lstStyle>
+            <a:lvl1pPr marL="0" indent="0">
+              <a:buNone/>
+              <a:defRPr>
+                <a:solidFill>
+                  <a:schemeClr val="bg1"/>
+                </a:solidFill>
+              </a:defRPr>
+            </a:lvl1pPr>
+            <a:lvl2pPr marL="0" indent="0">
+              <a:buFontTx/>
+              <a:buNone/>
+              <a:defRPr sz="1961">
+                <a:solidFill>
+                  <a:schemeClr val="bg1"/>
+                </a:solidFill>
+              </a:defRPr>
+            </a:lvl2pPr>
+            <a:lvl3pPr marL="224097" indent="0">
+              <a:buNone/>
+              <a:defRPr>
+                <a:solidFill>
+                  <a:schemeClr val="bg1"/>
+                </a:solidFill>
+              </a:defRPr>
+            </a:lvl3pPr>
+            <a:lvl4pPr marL="448193" indent="0">
+              <a:buNone/>
+              <a:defRPr>
+                <a:solidFill>
+                  <a:schemeClr val="bg1"/>
+                </a:solidFill>
+              </a:defRPr>
+            </a:lvl4pPr>
+            <a:lvl5pPr marL="672290" indent="0">
+              <a:buNone/>
+              <a:defRPr>
+                <a:solidFill>
+                  <a:schemeClr val="bg1"/>
+                </a:solidFill>
+              </a:defRPr>
+            </a:lvl5pPr>
+          </a:lstStyle>
+          <a:p>
+            <a:pPr lvl="0"/>
+            <a:r>
+              <a:rPr lang="en-US"/>
+              <a:t>Edit Master text styles</a:t>
+            </a:r>
+          </a:p>
+          <a:p>
+            <a:pPr lvl="1"/>
+            <a:r>
+              <a:rPr lang="en-US"/>
+              <a:t>Second level</a:t>
+            </a:r>
+          </a:p>
+          <a:p>
+            <a:pPr lvl="2"/>
+            <a:r>
+              <a:rPr lang="en-US"/>
+              <a:t>Third level</a:t>
+            </a:r>
+          </a:p>
+          <a:p>
+            <a:pPr lvl="3"/>
+            <a:r>
+              <a:rPr lang="en-US"/>
+              <a:t>Fourth level</a:t>
+            </a:r>
+          </a:p>
+          <a:p>
+            <a:pPr lvl="4"/>
+            <a:r>
+              <a:rPr lang="en-US"/>
+              <a:t>Fifth level</a:t>
+            </a:r>
+          </a:p>
+        </p:txBody>
+      </p:sp>
+    </p:spTree>
+    <p:extLst>
+      <p:ext uri="{BB962C8B-B14F-4D97-AF65-F5344CB8AC3E}">
+        <p14:creationId xmlns:p14="http://schemas.microsoft.com/office/powerpoint/2010/main" val="3408619702"/>
+      </p:ext>
+    </p:extLst>
+  </p:cSld>
+  <p:clrMapOvr>
+    <a:masterClrMapping/>
+  </p:clrMapOvr>
+  <p:transition>
+    <p:fade/>
+  </p:transition>
+</p:sldLayout>
+</file>
+
 <file path=ppt/slideMasters/slideMaster1.xml><?xml version="1.0" encoding="utf-8"?>
 <p:sldMaster xmlns:a="http://schemas.openxmlformats.org/drawingml/2006/main" xmlns:r="http://schemas.openxmlformats.org/officeDocument/2006/relationships" xmlns:p="http://schemas.openxmlformats.org/presentationml/2006/main" preserve="1">
   <p:cSld>
@@ -27506,20 +27528,20 @@
   </p:cSld>
   <p:clrMap bg1="lt1" tx1="dk1" bg2="lt2" tx2="dk2" accent1="accent1" accent2="accent2" accent3="accent3" accent4="accent4" accent5="accent5" accent6="accent6" hlink="hlink" folHlink="folHlink"/>
   <p:sldLayoutIdLst>
-    <p:sldLayoutId id="2147483739" r:id="rId1"/>
-    <p:sldLayoutId id="2147483888" r:id="rId2"/>
-    <p:sldLayoutId id="2147483890" r:id="rId3"/>
-    <p:sldLayoutId id="2147483919" r:id="rId4"/>
-    <p:sldLayoutId id="2147483920" r:id="rId5"/>
-    <p:sldLayoutId id="2147483922" r:id="rId6"/>
-    <p:sldLayoutId id="2147483925" r:id="rId7"/>
-    <p:sldLayoutId id="2147483894" r:id="rId8"/>
-    <p:sldLayoutId id="2147483895" r:id="rId9"/>
-    <p:sldLayoutId id="2147483876" r:id="rId10"/>
-    <p:sldLayoutId id="2147483923" r:id="rId11"/>
-    <p:sldLayoutId id="2147483924" r:id="rId12"/>
-    <p:sldLayoutId id="2147483984" r:id="rId13"/>
-    <p:sldLayoutId id="2147484115" r:id="rId14"/>
+    <p:sldLayoutId id="2147483888" r:id="rId1"/>
+    <p:sldLayoutId id="2147483890" r:id="rId2"/>
+    <p:sldLayoutId id="2147483919" r:id="rId3"/>
+    <p:sldLayoutId id="2147483920" r:id="rId4"/>
+    <p:sldLayoutId id="2147483922" r:id="rId5"/>
+    <p:sldLayoutId id="2147483925" r:id="rId6"/>
+    <p:sldLayoutId id="2147483894" r:id="rId7"/>
+    <p:sldLayoutId id="2147483895" r:id="rId8"/>
+    <p:sldLayoutId id="2147483923" r:id="rId9"/>
+    <p:sldLayoutId id="2147483924" r:id="rId10"/>
+    <p:sldLayoutId id="2147483984" r:id="rId11"/>
+    <p:sldLayoutId id="2147484115" r:id="rId12"/>
+    <p:sldLayoutId id="2147484118" r:id="rId13"/>
+    <p:sldLayoutId id="2147484119" r:id="rId14"/>
   </p:sldLayoutIdLst>
   <mc:AlternateContent xmlns:mc="http://schemas.openxmlformats.org/markup-compatibility/2006" xmlns:p14="http://schemas.microsoft.com/office/powerpoint/2010/main">
     <mc:Choice Requires="p14">
@@ -27951,9 +27973,6 @@
               <a:t>Introduction to the Framework</a:t>
             </a:r>
           </a:p>
-          <a:p>
-            <a:endParaRPr lang="en-US" dirty="0"/>
-          </a:p>
         </p:txBody>
       </p:sp>
     </p:spTree>
@@ -27962,7 +27981,7 @@
     </p:custDataLst>
     <p:extLst>
       <p:ext uri="{BB962C8B-B14F-4D97-AF65-F5344CB8AC3E}">
-        <p14:creationId xmlns:p14="http://schemas.microsoft.com/office/powerpoint/2010/main" val="4048982617"/>
+        <p14:creationId xmlns:p14="http://schemas.microsoft.com/office/powerpoint/2010/main" val="3342699643"/>
       </p:ext>
     </p:extLst>
   </p:cSld>
@@ -27971,12 +27990,12 @@
   </p:clrMapOvr>
   <mc:AlternateContent xmlns:mc="http://schemas.openxmlformats.org/markup-compatibility/2006" xmlns:p14="http://schemas.microsoft.com/office/powerpoint/2010/main">
     <mc:Choice Requires="p14">
-      <p:transition spd="med" p14:dur="700" advTm="5244">
+      <p:transition spd="med" p14:dur="700" advTm="19151">
         <p:fade/>
       </p:transition>
     </mc:Choice>
     <mc:Fallback xmlns="">
-      <p:transition spd="med" advTm="5244">
+      <p:transition spd="med" advTm="19151">
         <p:fade/>
       </p:transition>
     </mc:Fallback>
@@ -28080,13 +28099,13 @@
   <p:clrMapOvr>
     <a:masterClrMapping/>
   </p:clrMapOvr>
-  <mc:AlternateContent xmlns:mc="http://schemas.openxmlformats.org/markup-compatibility/2006" xmlns:p14="http://schemas.microsoft.com/office/powerpoint/2010/main">
-    <mc:Choice Requires="p14">
+  <mc:AlternateContent xmlns:mc="http://schemas.openxmlformats.org/markup-compatibility/2006">
+    <mc:Choice xmlns:p14="http://schemas.microsoft.com/office/powerpoint/2010/main" Requires="p14">
       <p:transition spd="med" p14:dur="700" advTm="56022">
         <p:fade/>
       </p:transition>
     </mc:Choice>
-    <mc:Fallback xmlns="">
+    <mc:Fallback>
       <p:transition spd="med" advTm="56022">
         <p:fade/>
       </p:transition>
@@ -28690,13 +28709,13 @@
   <p:clrMapOvr>
     <a:overrideClrMapping bg1="lt1" tx1="dk1" bg2="lt2" tx2="dk2" accent1="accent1" accent2="accent2" accent3="accent3" accent4="accent4" accent5="accent5" accent6="accent6" hlink="hlink" folHlink="folHlink"/>
   </p:clrMapOvr>
-  <mc:AlternateContent xmlns:mc="http://schemas.openxmlformats.org/markup-compatibility/2006" xmlns:p14="http://schemas.microsoft.com/office/powerpoint/2010/main">
-    <mc:Choice Requires="p14">
+  <mc:AlternateContent xmlns:mc="http://schemas.openxmlformats.org/markup-compatibility/2006">
+    <mc:Choice xmlns:p14="http://schemas.microsoft.com/office/powerpoint/2010/main" Requires="p14">
       <p:transition spd="med" p14:dur="700" advTm="35123">
         <p:fade/>
       </p:transition>
     </mc:Choice>
-    <mc:Fallback xmlns="">
+    <mc:Fallback>
       <p:transition spd="med" advTm="35123">
         <p:fade/>
       </p:transition>
@@ -28785,13 +28804,13 @@
   <p:clrMapOvr>
     <a:masterClrMapping/>
   </p:clrMapOvr>
-  <mc:AlternateContent xmlns:mc="http://schemas.openxmlformats.org/markup-compatibility/2006" xmlns:p14="http://schemas.microsoft.com/office/powerpoint/2010/main">
-    <mc:Choice Requires="p14">
+  <mc:AlternateContent xmlns:mc="http://schemas.openxmlformats.org/markup-compatibility/2006">
+    <mc:Choice xmlns:p14="http://schemas.microsoft.com/office/powerpoint/2010/main" Requires="p14">
       <p:transition spd="med" p14:dur="700" advTm="63035">
         <p:fade/>
       </p:transition>
     </mc:Choice>
-    <mc:Fallback xmlns="">
+    <mc:Fallback>
       <p:transition spd="med" advTm="63035">
         <p:fade/>
       </p:transition>
@@ -28817,23 +28836,48 @@
           <a:chExt cx="0" cy="0"/>
         </a:xfrm>
       </p:grpSpPr>
+      <p:sp>
+        <p:nvSpPr>
+          <p:cNvPr id="2" name="Title 1">
+            <a:extLst>
+              <a:ext uri="{FF2B5EF4-FFF2-40B4-BE49-F238E27FC236}">
+                <a16:creationId xmlns:a16="http://schemas.microsoft.com/office/drawing/2014/main" id="{FE732269-2646-4E69-B292-44CEB2100E8D}"/>
+              </a:ext>
+            </a:extLst>
+          </p:cNvPr>
+          <p:cNvSpPr>
+            <a:spLocks noGrp="1"/>
+          </p:cNvSpPr>
+          <p:nvPr>
+            <p:ph type="ctrTitle"/>
+          </p:nvPr>
+        </p:nvSpPr>
+        <p:spPr/>
+        <p:txBody>
+          <a:bodyPr/>
+          <a:lstStyle/>
+          <a:p>
+            <a:endParaRPr lang="en-GB"/>
+          </a:p>
+        </p:txBody>
+      </p:sp>
     </p:spTree>
     <p:extLst>
       <p:ext uri="{BB962C8B-B14F-4D97-AF65-F5344CB8AC3E}">
-        <p14:creationId xmlns:p14="http://schemas.microsoft.com/office/powerpoint/2010/main" val="2000091185"/>
+        <p14:creationId xmlns:p14="http://schemas.microsoft.com/office/powerpoint/2010/main" val="754363676"/>
       </p:ext>
     </p:extLst>
   </p:cSld>
   <p:clrMapOvr>
     <a:masterClrMapping/>
   </p:clrMapOvr>
-  <mc:AlternateContent xmlns:mc="http://schemas.openxmlformats.org/markup-compatibility/2006" xmlns:p14="http://schemas.microsoft.com/office/powerpoint/2010/main">
-    <mc:Choice Requires="p14">
+  <mc:AlternateContent xmlns:mc="http://schemas.openxmlformats.org/markup-compatibility/2006">
+    <mc:Choice xmlns:p14="http://schemas.microsoft.com/office/powerpoint/2010/main" Requires="p14">
       <p:transition spd="med" p14:dur="700">
         <p:fade/>
       </p:transition>
     </mc:Choice>
-    <mc:Fallback xmlns="">
+    <mc:Fallback>
       <p:transition spd="med">
         <p:fade/>
       </p:transition>
@@ -28933,13 +28977,13 @@
   <p:clrMapOvr>
     <a:masterClrMapping/>
   </p:clrMapOvr>
-  <mc:AlternateContent xmlns:mc="http://schemas.openxmlformats.org/markup-compatibility/2006" xmlns:p14="http://schemas.microsoft.com/office/powerpoint/2010/main">
-    <mc:Choice Requires="p14">
+  <mc:AlternateContent xmlns:mc="http://schemas.openxmlformats.org/markup-compatibility/2006">
+    <mc:Choice xmlns:p14="http://schemas.microsoft.com/office/powerpoint/2010/main" Requires="p14">
       <p:transition spd="med" p14:dur="700" advTm="33336">
         <p:fade/>
       </p:transition>
     </mc:Choice>
-    <mc:Fallback xmlns="">
+    <mc:Fallback>
       <p:transition spd="med" advTm="33336">
         <p:fade/>
       </p:transition>
@@ -30167,13 +30211,13 @@
   <p:clrMapOvr>
     <a:masterClrMapping/>
   </p:clrMapOvr>
-  <mc:AlternateContent xmlns:mc="http://schemas.openxmlformats.org/markup-compatibility/2006" xmlns:p14="http://schemas.microsoft.com/office/powerpoint/2010/main">
-    <mc:Choice Requires="p14">
+  <mc:AlternateContent xmlns:mc="http://schemas.openxmlformats.org/markup-compatibility/2006">
+    <mc:Choice xmlns:p14="http://schemas.microsoft.com/office/powerpoint/2010/main" Requires="p14">
       <p:transition spd="med" p14:dur="700" advTm="21360">
         <p:fade/>
       </p:transition>
     </mc:Choice>
-    <mc:Fallback xmlns="">
+    <mc:Fallback>
       <p:transition spd="med" advTm="21360">
         <p:fade/>
       </p:transition>
@@ -31113,13 +31157,13 @@
   <p:clrMapOvr>
     <a:masterClrMapping/>
   </p:clrMapOvr>
-  <mc:AlternateContent xmlns:mc="http://schemas.openxmlformats.org/markup-compatibility/2006" xmlns:p159="http://schemas.microsoft.com/office/powerpoint/2015/09/main">
-    <mc:Choice Requires="p159">
+  <mc:AlternateContent xmlns:mc="http://schemas.openxmlformats.org/markup-compatibility/2006">
+    <mc:Choice xmlns:p159="http://schemas.microsoft.com/office/powerpoint/2015/09/main" Requires="p159">
       <p:transition xmlns:p14="http://schemas.microsoft.com/office/powerpoint/2010/main" spd="slow" p14:dur="2000" advTm="301588">
         <p159:morph option="byObject"/>
       </p:transition>
     </mc:Choice>
-    <mc:Fallback xmlns="">
+    <mc:Fallback>
       <p:transition spd="slow" advTm="301588">
         <p:fade/>
       </p:transition>
@@ -31479,13 +31523,13 @@
   <p:clrMapOvr>
     <a:masterClrMapping/>
   </p:clrMapOvr>
-  <mc:AlternateContent xmlns:mc="http://schemas.openxmlformats.org/markup-compatibility/2006" xmlns:p14="http://schemas.microsoft.com/office/powerpoint/2010/main">
-    <mc:Choice Requires="p14">
+  <mc:AlternateContent xmlns:mc="http://schemas.openxmlformats.org/markup-compatibility/2006">
+    <mc:Choice xmlns:p14="http://schemas.microsoft.com/office/powerpoint/2010/main" Requires="p14">
       <p:transition spd="med" p14:dur="700" advTm="203511">
         <p:fade/>
       </p:transition>
     </mc:Choice>
-    <mc:Fallback xmlns="">
+    <mc:Fallback>
       <p:transition spd="med" advTm="203511">
         <p:fade/>
       </p:transition>
@@ -32935,13 +32979,13 @@
   <p:clrMapOvr>
     <a:masterClrMapping/>
   </p:clrMapOvr>
-  <mc:AlternateContent xmlns:mc="http://schemas.openxmlformats.org/markup-compatibility/2006" xmlns:p159="http://schemas.microsoft.com/office/powerpoint/2015/09/main">
-    <mc:Choice Requires="p159">
+  <mc:AlternateContent xmlns:mc="http://schemas.openxmlformats.org/markup-compatibility/2006">
+    <mc:Choice xmlns:p159="http://schemas.microsoft.com/office/powerpoint/2015/09/main" Requires="p159">
       <p:transition xmlns:p14="http://schemas.microsoft.com/office/powerpoint/2010/main" spd="slow" p14:dur="2000" advTm="75183">
         <p159:morph option="byObject"/>
       </p:transition>
     </mc:Choice>
-    <mc:Fallback xmlns="">
+    <mc:Fallback>
       <p:transition spd="slow" advTm="75183">
         <p:fade/>
       </p:transition>
@@ -33594,6 +33638,22 @@
                 </a:spcAft>
               </a:pPr>
               <a:r>
+                <a:rPr lang="en-US" sz="2000" dirty="0">
+                  <a:gradFill>
+                    <a:gsLst>
+                      <a:gs pos="2917">
+                        <a:schemeClr val="tx1"/>
+                      </a:gs>
+                      <a:gs pos="30000">
+                        <a:schemeClr val="tx1"/>
+                      </a:gs>
+                    </a:gsLst>
+                    <a:lin ang="5400000" scaled="0"/>
+                  </a:gradFill>
+                </a:rPr>
+                <a:t>Center</a:t>
+              </a:r>
+              <a:r>
                 <a:rPr lang="en-GB" sz="2000" dirty="0">
                   <a:gradFill>
                     <a:gsLst>
@@ -33607,7 +33667,7 @@
                     <a:lin ang="5400000" scaled="0"/>
                   </a:gradFill>
                 </a:rPr>
-                <a:t>Centre of Excellence</a:t>
+                <a:t> of Excellence</a:t>
               </a:r>
             </a:p>
           </p:txBody>
@@ -33971,13 +34031,13 @@
   <p:clrMapOvr>
     <a:masterClrMapping/>
   </p:clrMapOvr>
-  <mc:AlternateContent xmlns:mc="http://schemas.openxmlformats.org/markup-compatibility/2006" xmlns:p159="http://schemas.microsoft.com/office/powerpoint/2015/09/main">
-    <mc:Choice Requires="p159">
+  <mc:AlternateContent xmlns:mc="http://schemas.openxmlformats.org/markup-compatibility/2006">
+    <mc:Choice xmlns:p159="http://schemas.microsoft.com/office/powerpoint/2015/09/main" Requires="p159">
       <p:transition xmlns:p14="http://schemas.microsoft.com/office/powerpoint/2010/main" spd="slow" p14:dur="2000" advTm="83180">
         <p159:morph option="byObject"/>
       </p:transition>
     </mc:Choice>
-    <mc:Fallback xmlns="">
+    <mc:Fallback>
       <p:transition spd="slow" advTm="83180">
         <p:fade/>
       </p:transition>
@@ -35965,7 +36025,7 @@
                     </a:solidFill>
                     <a:latin typeface="Segoe UI"/>
                   </a:rPr>
-                  <a:t>Roll-out Planning</a:t>
+                  <a:t>Rollout Planning</a:t>
                 </a:r>
               </a:p>
               <a:p>
@@ -36144,13 +36204,22 @@
                   <a:defRPr/>
                 </a:pPr>
                 <a:r>
+                  <a:rPr lang="en-US" sz="1600" spc="0" dirty="0">
+                    <a:solidFill>
+                      <a:schemeClr val="tx1"/>
+                    </a:solidFill>
+                    <a:latin typeface="Segoe UI"/>
+                  </a:rPr>
+                  <a:t>Center</a:t>
+                </a:r>
+                <a:r>
                   <a:rPr lang="en-GB" sz="1600" spc="0" dirty="0">
                     <a:solidFill>
                       <a:schemeClr val="tx1"/>
                     </a:solidFill>
                     <a:latin typeface="Segoe UI"/>
                   </a:rPr>
-                  <a:t>Centre of Excellence</a:t>
+                  <a:t> of Excellence</a:t>
                 </a:r>
               </a:p>
               <a:p>
@@ -36460,7 +36529,7 @@
                     <a:ea typeface="+mn-ea"/>
                     <a:cs typeface="Segoe UI Semibold" panose="020B0702040204020203" pitchFamily="34" charset="0"/>
                   </a:rPr>
-                  <a:t>Roll-out &amp; </a:t>
+                  <a:t>Rollout &amp; </a:t>
                 </a:r>
               </a:p>
               <a:p>
@@ -43149,7 +43218,7 @@
                   <a:ea typeface="+mn-ea"/>
                   <a:cs typeface="Segoe UI Semibold" panose="020B0702040204020203" pitchFamily="34" charset="0"/>
                 </a:rPr>
-                <a:t>Roll-out &amp; </a:t>
+                <a:t>Rollout &amp; </a:t>
               </a:r>
             </a:p>
             <a:p>
@@ -44616,8 +44685,23 @@
 </file>
 
 <file path=customXml/item1.xml><?xml version="1.0" encoding="utf-8"?>
-<ct:contentTypeSchema xmlns:ct="http://schemas.microsoft.com/office/2006/metadata/contentType" xmlns:ma="http://schemas.microsoft.com/office/2006/metadata/properties/metaAttributes" ct:_="" ma:_="" ma:contentTypeName="Document" ma:contentTypeID="0x0101004637B333D9039F42B4A841E7D21AD3E7" ma:contentTypeVersion="5" ma:contentTypeDescription="Create a new document." ma:contentTypeScope="" ma:versionID="1f59f1658d780e0b4c7f1ae8a5e1509b">
-  <xsd:schema xmlns:xsd="http://www.w3.org/2001/XMLSchema" xmlns:xs="http://www.w3.org/2001/XMLSchema" xmlns:p="http://schemas.microsoft.com/office/2006/metadata/properties" xmlns:ns2="3520180a-3b72-4868-9ddb-261d82f11a91" targetNamespace="http://schemas.microsoft.com/office/2006/metadata/properties" ma:root="true" ma:fieldsID="e8c07af3b0c20b254d99977dc4d26b0c" ns2:_="">
+<p:properties xmlns:p="http://schemas.microsoft.com/office/2006/metadata/properties" xmlns:xsi="http://www.w3.org/2001/XMLSchema-instance" xmlns:pc="http://schemas.microsoft.com/office/infopath/2007/PartnerControls">
+  <documentManagement/>
+</p:properties>
+</file>
+
+<file path=customXml/item2.xml><?xml version="1.0" encoding="utf-8"?>
+<?mso-contentType ?>
+<FormTemplates xmlns="http://schemas.microsoft.com/sharepoint/v3/contenttype/forms">
+  <Display>DocumentLibraryForm</Display>
+  <Edit>DocumentLibraryForm</Edit>
+  <New>DocumentLibraryForm</New>
+</FormTemplates>
+</file>
+
+<file path=customXml/item3.xml><?xml version="1.0" encoding="utf-8"?>
+<ct:contentTypeSchema xmlns:ct="http://schemas.microsoft.com/office/2006/metadata/contentType" xmlns:ma="http://schemas.microsoft.com/office/2006/metadata/properties/metaAttributes" ct:_="" ma:_="" ma:contentTypeName="Document" ma:contentTypeID="0x0101004637B333D9039F42B4A841E7D21AD3E7" ma:contentTypeVersion="7" ma:contentTypeDescription="Create a new document." ma:contentTypeScope="" ma:versionID="385892ca22301f732aa61e9e24b0427a">
+  <xsd:schema xmlns:xsd="http://www.w3.org/2001/XMLSchema" xmlns:xs="http://www.w3.org/2001/XMLSchema" xmlns:p="http://schemas.microsoft.com/office/2006/metadata/properties" xmlns:ns2="3520180a-3b72-4868-9ddb-261d82f11a91" targetNamespace="http://schemas.microsoft.com/office/2006/metadata/properties" ma:root="true" ma:fieldsID="524886d73bd9f25fcf95cbf5af8c08e0" ns2:_="">
     <xsd:import namespace="3520180a-3b72-4868-9ddb-261d82f11a91"/>
     <xsd:element name="properties">
       <xsd:complexType>
@@ -44630,6 +44714,8 @@
                 <xsd:element ref="ns2:MediaServiceDateTaken" minOccurs="0"/>
                 <xsd:element ref="ns2:MediaServiceAutoKeyPoints" minOccurs="0"/>
                 <xsd:element ref="ns2:MediaServiceKeyPoints" minOccurs="0"/>
+                <xsd:element ref="ns2:MediaServiceAutoTags" minOccurs="0"/>
+                <xsd:element ref="ns2:MediaServiceOCR" minOccurs="0"/>
               </xsd:all>
             </xsd:complexType>
           </xsd:element>
@@ -44661,6 +44747,18 @@
       </xsd:simpleType>
     </xsd:element>
     <xsd:element name="MediaServiceKeyPoints" ma:index="12" nillable="true" ma:displayName="KeyPoints" ma:internalName="MediaServiceKeyPoints" ma:readOnly="true">
+      <xsd:simpleType>
+        <xsd:restriction base="dms:Note">
+          <xsd:maxLength value="255"/>
+        </xsd:restriction>
+      </xsd:simpleType>
+    </xsd:element>
+    <xsd:element name="MediaServiceAutoTags" ma:index="13" nillable="true" ma:displayName="Tags" ma:internalName="MediaServiceAutoTags" ma:readOnly="true">
+      <xsd:simpleType>
+        <xsd:restriction base="dms:Text"/>
+      </xsd:simpleType>
+    </xsd:element>
+    <xsd:element name="MediaServiceOCR" ma:index="14" nillable="true" ma:displayName="Extracted Text" ma:internalName="MediaServiceOCR" ma:readOnly="true">
       <xsd:simpleType>
         <xsd:restriction base="dms:Note">
           <xsd:maxLength value="255"/>
@@ -44767,26 +44865,7 @@
 </ct:contentTypeSchema>
 </file>
 
-<file path=customXml/item2.xml><?xml version="1.0" encoding="utf-8"?>
-<p:properties xmlns:p="http://schemas.microsoft.com/office/2006/metadata/properties" xmlns:xsi="http://www.w3.org/2001/XMLSchema-instance" xmlns:pc="http://schemas.microsoft.com/office/infopath/2007/PartnerControls">
-  <documentManagement/>
-</p:properties>
-</file>
-
-<file path=customXml/item3.xml><?xml version="1.0" encoding="utf-8"?>
-<?mso-contentType ?>
-<FormTemplates xmlns="http://schemas.microsoft.com/sharepoint/v3/contenttype/forms">
-  <Display>DocumentLibraryForm</Display>
-  <Edit>DocumentLibraryForm</Edit>
-  <New>DocumentLibraryForm</New>
-</FormTemplates>
-</file>
-
 <file path=customXml/itemProps1.xml><?xml version="1.0" encoding="utf-8"?>
-<ds:datastoreItem xmlns:ds="http://schemas.openxmlformats.org/officeDocument/2006/customXml" ds:itemID="{45A4C2A0-2041-47F2-A0F6-713566A3DE93}"/>
-</file>
-
-<file path=customXml/itemProps2.xml><?xml version="1.0" encoding="utf-8"?>
 <ds:datastoreItem xmlns:ds="http://schemas.openxmlformats.org/officeDocument/2006/customXml" ds:itemID="{5148A5D7-FD0D-4497-ADB2-773C6533B2F9}">
   <ds:schemaRefs>
     <ds:schemaRef ds:uri="http://schemas.microsoft.com/office/2006/metadata/properties"/>
@@ -44795,10 +44874,28 @@
 </ds:datastoreItem>
 </file>
 
-<file path=customXml/itemProps3.xml><?xml version="1.0" encoding="utf-8"?>
+<file path=customXml/itemProps2.xml><?xml version="1.0" encoding="utf-8"?>
 <ds:datastoreItem xmlns:ds="http://schemas.openxmlformats.org/officeDocument/2006/customXml" ds:itemID="{DE526520-222D-4E7B-A419-9D8181B2C454}">
   <ds:schemaRefs>
     <ds:schemaRef ds:uri="http://schemas.microsoft.com/sharepoint/v3/contenttype/forms"/>
   </ds:schemaRefs>
 </ds:datastoreItem>
+</file>
+
+<file path=customXml/itemProps3.xml><?xml version="1.0" encoding="utf-8"?>
+<ds:datastoreItem xmlns:ds="http://schemas.openxmlformats.org/officeDocument/2006/customXml" ds:itemID="{B1854506-E9D8-4C7E-9330-8D4F7A9BB962}">
+  <ds:schemaRefs>
+    <ds:schemaRef ds:uri="http://schemas.microsoft.com/office/2006/metadata/contentType"/>
+    <ds:schemaRef ds:uri="http://schemas.microsoft.com/office/2006/metadata/properties/metaAttributes"/>
+    <ds:schemaRef ds:uri="http://www.w3.org/2001/XMLSchema"/>
+    <ds:schemaRef ds:uri="http://schemas.microsoft.com/office/2006/metadata/properties"/>
+    <ds:schemaRef ds:uri="3520180a-3b72-4868-9ddb-261d82f11a91"/>
+    <ds:schemaRef ds:uri="http://schemas.microsoft.com/office/2006/documentManagement/types"/>
+    <ds:schemaRef ds:uri="http://schemas.microsoft.com/office/infopath/2007/PartnerControls"/>
+    <ds:schemaRef ds:uri="http://schemas.openxmlformats.org/package/2006/metadata/core-properties"/>
+    <ds:schemaRef ds:uri="http://purl.org/dc/elements/1.1/"/>
+    <ds:schemaRef ds:uri="http://purl.org/dc/terms/"/>
+    <ds:schemaRef ds:uri="http://schemas.microsoft.com/internal/obd"/>
+  </ds:schemaRefs>
+</ds:datastoreItem>
 </file>